--- a/랩미팅/201901/190109 Workstation(Jong).pptx
+++ b/랩미팅/201901/190109 Workstation(Jong).pptx
@@ -382,7 +382,6 @@
               </a:p>
             </c:rich>
           </c:tx>
-          <c:layout/>
           <c:overlay val="0"/>
           <c:spPr>
             <a:noFill/>
@@ -457,7 +456,6 @@
     </c:plotArea>
     <c:legend>
       <c:legendPos val="b"/>
-      <c:layout/>
       <c:overlay val="0"/>
       <c:spPr>
         <a:noFill/>
@@ -1139,7 +1137,7 @@
           <a:p>
             <a:fld id="{A9D6DECA-6E4E-4D09-9277-E151A2E3F74C}" type="datetimeFigureOut">
               <a:rPr lang="ko-KR" altLang="en-US" smtClean="0"/>
-              <a:t>2019-01-15</a:t>
+              <a:t>2019-01-21</a:t>
             </a:fld>
             <a:endParaRPr lang="ko-KR" altLang="en-US"/>
           </a:p>
@@ -1622,7 +1620,7 @@
           <a:p>
             <a:fld id="{78E89258-A40F-4400-BA1A-638141289729}" type="datetime1">
               <a:rPr lang="ko-KR" altLang="en-US" smtClean="0"/>
-              <a:t>2019-01-15</a:t>
+              <a:t>2019-01-21</a:t>
             </a:fld>
             <a:endParaRPr lang="ko-KR" altLang="en-US"/>
           </a:p>
@@ -1799,7 +1797,7 @@
           <a:p>
             <a:fld id="{CD116CEF-802E-43F7-8932-78519DF2A264}" type="datetime1">
               <a:rPr lang="ko-KR" altLang="en-US" smtClean="0"/>
-              <a:t>2019-01-15</a:t>
+              <a:t>2019-01-21</a:t>
             </a:fld>
             <a:endParaRPr lang="ko-KR" altLang="en-US"/>
           </a:p>
@@ -1979,7 +1977,7 @@
           <a:p>
             <a:fld id="{EFD9D7C3-1982-427D-BFA7-1AF9687AAB0F}" type="datetime1">
               <a:rPr lang="ko-KR" altLang="en-US" smtClean="0"/>
-              <a:t>2019-01-15</a:t>
+              <a:t>2019-01-21</a:t>
             </a:fld>
             <a:endParaRPr lang="ko-KR" altLang="en-US"/>
           </a:p>
@@ -2149,7 +2147,7 @@
           <a:p>
             <a:fld id="{EDD93E7F-B437-40E5-8ACB-B79696783EFA}" type="datetime1">
               <a:rPr lang="ko-KR" altLang="en-US" smtClean="0"/>
-              <a:t>2019-01-15</a:t>
+              <a:t>2019-01-21</a:t>
             </a:fld>
             <a:endParaRPr lang="ko-KR" altLang="en-US"/>
           </a:p>
@@ -2393,7 +2391,7 @@
           <a:p>
             <a:fld id="{DB249950-0BD4-4F6E-BE3F-CB53B7E2FD06}" type="datetime1">
               <a:rPr lang="ko-KR" altLang="en-US" smtClean="0"/>
-              <a:t>2019-01-15</a:t>
+              <a:t>2019-01-21</a:t>
             </a:fld>
             <a:endParaRPr lang="ko-KR" altLang="en-US"/>
           </a:p>
@@ -2625,7 +2623,7 @@
           <a:p>
             <a:fld id="{7B016D7E-32C0-4DB3-B6B3-0506A62840FB}" type="datetime1">
               <a:rPr lang="ko-KR" altLang="en-US" smtClean="0"/>
-              <a:t>2019-01-15</a:t>
+              <a:t>2019-01-21</a:t>
             </a:fld>
             <a:endParaRPr lang="ko-KR" altLang="en-US"/>
           </a:p>
@@ -2992,7 +2990,7 @@
           <a:p>
             <a:fld id="{B246672D-B3FD-4B2E-92C0-4A80DA670927}" type="datetime1">
               <a:rPr lang="ko-KR" altLang="en-US" smtClean="0"/>
-              <a:t>2019-01-15</a:t>
+              <a:t>2019-01-21</a:t>
             </a:fld>
             <a:endParaRPr lang="ko-KR" altLang="en-US"/>
           </a:p>
@@ -3110,7 +3108,7 @@
           <a:p>
             <a:fld id="{9B9B7D2E-B202-4D7A-9519-0C490A04EB9C}" type="datetime1">
               <a:rPr lang="ko-KR" altLang="en-US" smtClean="0"/>
-              <a:t>2019-01-15</a:t>
+              <a:t>2019-01-21</a:t>
             </a:fld>
             <a:endParaRPr lang="ko-KR" altLang="en-US"/>
           </a:p>
@@ -3205,7 +3203,7 @@
           <a:p>
             <a:fld id="{12FB9327-987E-47D6-AE2D-63CED8A79494}" type="datetime1">
               <a:rPr lang="ko-KR" altLang="en-US" smtClean="0"/>
-              <a:t>2019-01-15</a:t>
+              <a:t>2019-01-21</a:t>
             </a:fld>
             <a:endParaRPr lang="ko-KR" altLang="en-US"/>
           </a:p>
@@ -3482,7 +3480,7 @@
           <a:p>
             <a:fld id="{D8D87011-7294-4632-A156-4F695AB9E41C}" type="datetime1">
               <a:rPr lang="ko-KR" altLang="en-US" smtClean="0"/>
-              <a:t>2019-01-15</a:t>
+              <a:t>2019-01-21</a:t>
             </a:fld>
             <a:endParaRPr lang="ko-KR" altLang="en-US"/>
           </a:p>
@@ -3739,7 +3737,7 @@
           <a:p>
             <a:fld id="{1BDC7FDB-72DE-4D65-AF4F-510496DAF70F}" type="datetime1">
               <a:rPr lang="ko-KR" altLang="en-US" smtClean="0"/>
-              <a:t>2019-01-15</a:t>
+              <a:t>2019-01-21</a:t>
             </a:fld>
             <a:endParaRPr lang="ko-KR" altLang="en-US"/>
           </a:p>
@@ -3952,7 +3950,7 @@
           <a:p>
             <a:fld id="{9A286DBF-DB43-470A-A903-26374CB6EF47}" type="datetime1">
               <a:rPr lang="ko-KR" altLang="en-US" smtClean="0"/>
-              <a:t>2019-01-15</a:t>
+              <a:t>2019-01-21</a:t>
             </a:fld>
             <a:endParaRPr lang="ko-KR" altLang="en-US"/>
           </a:p>
@@ -4368,8 +4366,8 @@
         </p:nvSpPr>
         <p:spPr bwMode="auto">
           <a:xfrm>
-            <a:off x="2574567" y="1978401"/>
-            <a:ext cx="3993402" cy="1754326"/>
+            <a:off x="2657764" y="1978401"/>
+            <a:ext cx="3827010" cy="1754326"/>
           </a:xfrm>
           <a:prstGeom prst="rect">
             <a:avLst/>
@@ -4434,7 +4432,7 @@
                 </a:solidFill>
                 <a:latin typeface="Arial" panose="020B0604020202020204" pitchFamily="34" charset="0"/>
               </a:rPr>
-              <a:t>Lab meeting</a:t>
+              <a:t>Workstation</a:t>
             </a:r>
             <a:endParaRPr lang="en-US" altLang="ko-KR" sz="5400" dirty="0">
               <a:solidFill>
@@ -4537,7 +4535,7 @@
           <a:p>
             <a:fld id="{32C03489-23FC-4021-B9AB-958EFB3C0FE7}" type="datetime1">
               <a:rPr lang="ko-KR" altLang="en-US" smtClean="0"/>
-              <a:t>2019-01-15</a:t>
+              <a:t>2019-01-21</a:t>
             </a:fld>
             <a:endParaRPr lang="ko-KR" altLang="en-US"/>
           </a:p>
@@ -4620,7 +4618,7 @@
           <a:p>
             <a:fld id="{EDD93E7F-B437-40E5-8ACB-B79696783EFA}" type="datetime1">
               <a:rPr lang="ko-KR" altLang="en-US" smtClean="0"/>
-              <a:t>2019-01-15</a:t>
+              <a:t>2019-01-21</a:t>
             </a:fld>
             <a:endParaRPr lang="ko-KR" altLang="en-US"/>
           </a:p>
@@ -5784,7 +5782,7 @@
           <a:p>
             <a:fld id="{EDD93E7F-B437-40E5-8ACB-B79696783EFA}" type="datetime1">
               <a:rPr lang="ko-KR" altLang="en-US" smtClean="0"/>
-              <a:t>2019-01-15</a:t>
+              <a:t>2019-01-21</a:t>
             </a:fld>
             <a:endParaRPr lang="ko-KR" altLang="en-US"/>
           </a:p>
@@ -6288,7 +6286,7 @@
           <a:p>
             <a:fld id="{EDD93E7F-B437-40E5-8ACB-B79696783EFA}" type="datetime1">
               <a:rPr lang="ko-KR" altLang="en-US" smtClean="0"/>
-              <a:t>2019-01-15</a:t>
+              <a:t>2019-01-21</a:t>
             </a:fld>
             <a:endParaRPr lang="ko-KR" altLang="en-US"/>
           </a:p>
@@ -7069,7 +7067,7 @@
           <a:p>
             <a:fld id="{EDD93E7F-B437-40E5-8ACB-B79696783EFA}" type="datetime1">
               <a:rPr lang="ko-KR" altLang="en-US" smtClean="0"/>
-              <a:t>2019-01-15</a:t>
+              <a:t>2019-01-21</a:t>
             </a:fld>
             <a:endParaRPr lang="ko-KR" altLang="en-US"/>
           </a:p>
@@ -7382,15 +7380,7 @@
                       <a:pPr algn="ctr" latinLnBrk="1"/>
                       <a:r>
                         <a:rPr lang="en-US" altLang="ko-KR" sz="1800" dirty="0" smtClean="0"/>
-                        <a:t>( 10 core </a:t>
-                      </a:r>
-                      <a:r>
-                        <a:rPr lang="en-US" altLang="ko-KR" sz="1800" dirty="0" smtClean="0"/>
-                        <a:t>/ </a:t>
-                      </a:r>
-                      <a:r>
-                        <a:rPr lang="en-US" altLang="ko-KR" sz="1800" dirty="0" smtClean="0"/>
-                        <a:t>20 thread ) * 2 </a:t>
+                        <a:t>( 10 core / 20 thread ) * 2 </a:t>
                       </a:r>
                       <a:r>
                         <a:rPr lang="en-US" altLang="ko-KR" sz="1800" dirty="0" err="1" smtClean="0"/>
